--- a/code/experiment/fixationscreen/ppts/FollowUp_v2/FollowUp_intro.pptx
+++ b/code/experiment/fixationscreen/ppts/FollowUp_v2/FollowUp_intro.pptx
@@ -197,7 +197,7 @@
           <a:p>
             <a:fld id="{17F8D589-F923-4547-B884-BBE1BAFEDD96}" type="datetimeFigureOut">
               <a:rPr lang="en-US" smtClean="0"/>
-              <a:t>12/2/22</a:t>
+              <a:t>2/19/24</a:t>
             </a:fld>
             <a:endParaRPr lang="en-US"/>
           </a:p>
@@ -684,7 +684,7 @@
           <a:p>
             <a:fld id="{7E566BE7-B388-5F42-A136-5D8181E60369}" type="datetimeFigureOut">
               <a:rPr lang="en-US" smtClean="0"/>
-              <a:t>12/2/22</a:t>
+              <a:t>2/19/24</a:t>
             </a:fld>
             <a:endParaRPr lang="en-US"/>
           </a:p>
@@ -854,7 +854,7 @@
           <a:p>
             <a:fld id="{7E566BE7-B388-5F42-A136-5D8181E60369}" type="datetimeFigureOut">
               <a:rPr lang="en-US" smtClean="0"/>
-              <a:t>12/2/22</a:t>
+              <a:t>2/19/24</a:t>
             </a:fld>
             <a:endParaRPr lang="en-US"/>
           </a:p>
@@ -1034,7 +1034,7 @@
           <a:p>
             <a:fld id="{7E566BE7-B388-5F42-A136-5D8181E60369}" type="datetimeFigureOut">
               <a:rPr lang="en-US" smtClean="0"/>
-              <a:t>12/2/22</a:t>
+              <a:t>2/19/24</a:t>
             </a:fld>
             <a:endParaRPr lang="en-US"/>
           </a:p>
@@ -1204,7 +1204,7 @@
           <a:p>
             <a:fld id="{7E566BE7-B388-5F42-A136-5D8181E60369}" type="datetimeFigureOut">
               <a:rPr lang="en-US" smtClean="0"/>
-              <a:t>12/2/22</a:t>
+              <a:t>2/19/24</a:t>
             </a:fld>
             <a:endParaRPr lang="en-US"/>
           </a:p>
@@ -1448,7 +1448,7 @@
           <a:p>
             <a:fld id="{7E566BE7-B388-5F42-A136-5D8181E60369}" type="datetimeFigureOut">
               <a:rPr lang="en-US" smtClean="0"/>
-              <a:t>12/2/22</a:t>
+              <a:t>2/19/24</a:t>
             </a:fld>
             <a:endParaRPr lang="en-US"/>
           </a:p>
@@ -1680,7 +1680,7 @@
           <a:p>
             <a:fld id="{7E566BE7-B388-5F42-A136-5D8181E60369}" type="datetimeFigureOut">
               <a:rPr lang="en-US" smtClean="0"/>
-              <a:t>12/2/22</a:t>
+              <a:t>2/19/24</a:t>
             </a:fld>
             <a:endParaRPr lang="en-US"/>
           </a:p>
@@ -2047,7 +2047,7 @@
           <a:p>
             <a:fld id="{7E566BE7-B388-5F42-A136-5D8181E60369}" type="datetimeFigureOut">
               <a:rPr lang="en-US" smtClean="0"/>
-              <a:t>12/2/22</a:t>
+              <a:t>2/19/24</a:t>
             </a:fld>
             <a:endParaRPr lang="en-US"/>
           </a:p>
@@ -2165,7 +2165,7 @@
           <a:p>
             <a:fld id="{7E566BE7-B388-5F42-A136-5D8181E60369}" type="datetimeFigureOut">
               <a:rPr lang="en-US" smtClean="0"/>
-              <a:t>12/2/22</a:t>
+              <a:t>2/19/24</a:t>
             </a:fld>
             <a:endParaRPr lang="en-US"/>
           </a:p>
@@ -2260,7 +2260,7 @@
           <a:p>
             <a:fld id="{7E566BE7-B388-5F42-A136-5D8181E60369}" type="datetimeFigureOut">
               <a:rPr lang="en-US" smtClean="0"/>
-              <a:t>12/2/22</a:t>
+              <a:t>2/19/24</a:t>
             </a:fld>
             <a:endParaRPr lang="en-US"/>
           </a:p>
@@ -2537,7 +2537,7 @@
           <a:p>
             <a:fld id="{7E566BE7-B388-5F42-A136-5D8181E60369}" type="datetimeFigureOut">
               <a:rPr lang="en-US" smtClean="0"/>
-              <a:t>12/2/22</a:t>
+              <a:t>2/19/24</a:t>
             </a:fld>
             <a:endParaRPr lang="en-US"/>
           </a:p>
@@ -2794,7 +2794,7 @@
           <a:p>
             <a:fld id="{7E566BE7-B388-5F42-A136-5D8181E60369}" type="datetimeFigureOut">
               <a:rPr lang="en-US" smtClean="0"/>
-              <a:t>12/2/22</a:t>
+              <a:t>2/19/24</a:t>
             </a:fld>
             <a:endParaRPr lang="en-US"/>
           </a:p>
@@ -3007,7 +3007,7 @@
           <a:p>
             <a:fld id="{7E566BE7-B388-5F42-A136-5D8181E60369}" type="datetimeFigureOut">
               <a:rPr lang="en-US" smtClean="0"/>
-              <a:t>12/2/22</a:t>
+              <a:t>2/19/24</a:t>
             </a:fld>
             <a:endParaRPr lang="en-US"/>
           </a:p>
@@ -3509,7 +3509,7 @@
         <p:spPr>
           <a:xfrm>
             <a:off x="199102" y="137142"/>
-            <a:ext cx="7374193" cy="3046988"/>
+            <a:ext cx="7374193" cy="2554545"/>
           </a:xfrm>
           <a:prstGeom prst="rect">
             <a:avLst/>
@@ -3524,7 +3524,7 @@
           <a:p>
             <a:r>
               <a:rPr lang="en-US" sz="3200" dirty="0"/>
-              <a:t>Congratulations! You have successfully completed all trials. Thank you for your participation in our study. </a:t>
+              <a:t>Congratulations! You have successfully completed all trials. </a:t>
             </a:r>
           </a:p>
           <a:p>
@@ -3533,7 +3533,7 @@
           <a:p>
             <a:r>
               <a:rPr lang="en-US" sz="3200" dirty="0"/>
-              <a:t>Please answer these short follow up questions. Press the F key to begin.</a:t>
+              <a:t>Please answer the following questions. Click the mouse to begin.</a:t>
             </a:r>
           </a:p>
         </p:txBody>
